--- a/ppt/0515_2조_중간발표.pptx
+++ b/ppt/0515_2조_중간발표.pptx
@@ -180,84 +180,6 @@
 <file path=ppt/changesInfos/changesInfo1.xml><?xml version="1.0" encoding="utf-8"?>
 <pc:chgInfo xmlns:a="http://schemas.openxmlformats.org/drawingml/2006/main" xmlns:r="http://schemas.openxmlformats.org/officeDocument/2006/relationships" xmlns:ac="http://schemas.microsoft.com/office/drawing/2013/main/command" xmlns:pc="http://schemas.microsoft.com/office/powerpoint/2013/main/command">
   <pc:docChgLst>
-    <pc:chgData name="나 현희" userId="a7b73e83492eed8a" providerId="LiveId" clId="{64AD838D-9C5E-4924-A2B9-9E61F63567BB}"/>
-    <pc:docChg chg="undo custSel modSld">
-      <pc:chgData name="나 현희" userId="a7b73e83492eed8a" providerId="LiveId" clId="{64AD838D-9C5E-4924-A2B9-9E61F63567BB}" dt="2023-05-12T02:03:36.438" v="38"/>
-      <pc:docMkLst>
-        <pc:docMk/>
-      </pc:docMkLst>
-      <pc:sldChg chg="modSp mod">
-        <pc:chgData name="나 현희" userId="a7b73e83492eed8a" providerId="LiveId" clId="{64AD838D-9C5E-4924-A2B9-9E61F63567BB}" dt="2023-05-12T02:03:36.438" v="38"/>
-        <pc:sldMkLst>
-          <pc:docMk/>
-          <pc:sldMk cId="1357611919" sldId="273"/>
-        </pc:sldMkLst>
-        <pc:spChg chg="mod">
-          <ac:chgData name="나 현희" userId="a7b73e83492eed8a" providerId="LiveId" clId="{64AD838D-9C5E-4924-A2B9-9E61F63567BB}" dt="2023-05-12T02:03:33.292" v="37"/>
-          <ac:spMkLst>
-            <pc:docMk/>
-            <pc:sldMk cId="1357611919" sldId="273"/>
-            <ac:spMk id="2" creationId="{00000000-0000-0000-0000-000000000000}"/>
-          </ac:spMkLst>
-        </pc:spChg>
-        <pc:spChg chg="mod">
-          <ac:chgData name="나 현희" userId="a7b73e83492eed8a" providerId="LiveId" clId="{64AD838D-9C5E-4924-A2B9-9E61F63567BB}" dt="2023-05-12T02:03:36.438" v="38"/>
-          <ac:spMkLst>
-            <pc:docMk/>
-            <pc:sldMk cId="1357611919" sldId="273"/>
-            <ac:spMk id="3" creationId="{00000000-0000-0000-0000-000000000000}"/>
-          </ac:spMkLst>
-        </pc:spChg>
-      </pc:sldChg>
-      <pc:sldChg chg="addSp delSp modSp mod addCm delCm">
-        <pc:chgData name="나 현희" userId="a7b73e83492eed8a" providerId="LiveId" clId="{64AD838D-9C5E-4924-A2B9-9E61F63567BB}" dt="2023-05-12T02:00:14.353" v="31" actId="1076"/>
-        <pc:sldMkLst>
-          <pc:docMk/>
-          <pc:sldMk cId="3439183929" sldId="274"/>
-        </pc:sldMkLst>
-        <pc:spChg chg="mod">
-          <ac:chgData name="나 현희" userId="a7b73e83492eed8a" providerId="LiveId" clId="{64AD838D-9C5E-4924-A2B9-9E61F63567BB}" dt="2023-05-12T01:59:24.372" v="25" actId="20577"/>
-          <ac:spMkLst>
-            <pc:docMk/>
-            <pc:sldMk cId="3439183929" sldId="274"/>
-            <ac:spMk id="2" creationId="{00000000-0000-0000-0000-000000000000}"/>
-          </ac:spMkLst>
-        </pc:spChg>
-        <pc:spChg chg="del mod">
-          <ac:chgData name="나 현희" userId="a7b73e83492eed8a" providerId="LiveId" clId="{64AD838D-9C5E-4924-A2B9-9E61F63567BB}" dt="2023-05-12T01:59:49.064" v="27" actId="21"/>
-          <ac:spMkLst>
-            <pc:docMk/>
-            <pc:sldMk cId="3439183929" sldId="274"/>
-            <ac:spMk id="3" creationId="{00000000-0000-0000-0000-000000000000}"/>
-          </ac:spMkLst>
-        </pc:spChg>
-        <pc:graphicFrameChg chg="add mod">
-          <ac:chgData name="나 현희" userId="a7b73e83492eed8a" providerId="LiveId" clId="{64AD838D-9C5E-4924-A2B9-9E61F63567BB}" dt="2023-05-12T02:00:14.353" v="31" actId="1076"/>
-          <ac:graphicFrameMkLst>
-            <pc:docMk/>
-            <pc:sldMk cId="3439183929" sldId="274"/>
-            <ac:graphicFrameMk id="4" creationId="{B867C856-EA33-3271-E886-DBB6E3B0CEAD}"/>
-          </ac:graphicFrameMkLst>
-        </pc:graphicFrameChg>
-      </pc:sldChg>
-      <pc:sldChg chg="modSp mod">
-        <pc:chgData name="나 현희" userId="a7b73e83492eed8a" providerId="LiveId" clId="{64AD838D-9C5E-4924-A2B9-9E61F63567BB}" dt="2023-05-12T02:03:18.382" v="35" actId="2711"/>
-        <pc:sldMkLst>
-          <pc:docMk/>
-          <pc:sldMk cId="893322849" sldId="301"/>
-        </pc:sldMkLst>
-        <pc:spChg chg="mod">
-          <ac:chgData name="나 현희" userId="a7b73e83492eed8a" providerId="LiveId" clId="{64AD838D-9C5E-4924-A2B9-9E61F63567BB}" dt="2023-05-12T02:03:18.382" v="35" actId="2711"/>
-          <ac:spMkLst>
-            <pc:docMk/>
-            <pc:sldMk cId="893322849" sldId="301"/>
-            <ac:spMk id="3" creationId="{00000000-0000-0000-0000-000000000000}"/>
-          </ac:spMkLst>
-        </pc:spChg>
-      </pc:sldChg>
-    </pc:docChg>
-  </pc:docChgLst>
-  <pc:docChgLst>
     <pc:chgData name="나 현희" userId="a7b73e83492eed8a" providerId="LiveId" clId="{AB9B050E-E5C9-4B08-8455-45F1E99EFAA3}"/>
     <pc:docChg chg="custSel modSld">
       <pc:chgData name="나 현희" userId="a7b73e83492eed8a" providerId="LiveId" clId="{AB9B050E-E5C9-4B08-8455-45F1E99EFAA3}" dt="2023-05-12T03:47:34.583" v="415" actId="20577"/>
@@ -373,21 +295,85 @@
       </pc:sldChg>
     </pc:docChg>
   </pc:docChgLst>
+  <pc:docChgLst>
+    <pc:chgData name="나 현희" userId="a7b73e83492eed8a" providerId="LiveId" clId="{64AD838D-9C5E-4924-A2B9-9E61F63567BB}"/>
+    <pc:docChg chg="undo custSel modSld">
+      <pc:chgData name="나 현희" userId="a7b73e83492eed8a" providerId="LiveId" clId="{64AD838D-9C5E-4924-A2B9-9E61F63567BB}" dt="2023-05-12T02:03:36.438" v="38"/>
+      <pc:docMkLst>
+        <pc:docMk/>
+      </pc:docMkLst>
+      <pc:sldChg chg="modSp mod">
+        <pc:chgData name="나 현희" userId="a7b73e83492eed8a" providerId="LiveId" clId="{64AD838D-9C5E-4924-A2B9-9E61F63567BB}" dt="2023-05-12T02:03:36.438" v="38"/>
+        <pc:sldMkLst>
+          <pc:docMk/>
+          <pc:sldMk cId="1357611919" sldId="273"/>
+        </pc:sldMkLst>
+        <pc:spChg chg="mod">
+          <ac:chgData name="나 현희" userId="a7b73e83492eed8a" providerId="LiveId" clId="{64AD838D-9C5E-4924-A2B9-9E61F63567BB}" dt="2023-05-12T02:03:33.292" v="37"/>
+          <ac:spMkLst>
+            <pc:docMk/>
+            <pc:sldMk cId="1357611919" sldId="273"/>
+            <ac:spMk id="2" creationId="{00000000-0000-0000-0000-000000000000}"/>
+          </ac:spMkLst>
+        </pc:spChg>
+        <pc:spChg chg="mod">
+          <ac:chgData name="나 현희" userId="a7b73e83492eed8a" providerId="LiveId" clId="{64AD838D-9C5E-4924-A2B9-9E61F63567BB}" dt="2023-05-12T02:03:36.438" v="38"/>
+          <ac:spMkLst>
+            <pc:docMk/>
+            <pc:sldMk cId="1357611919" sldId="273"/>
+            <ac:spMk id="3" creationId="{00000000-0000-0000-0000-000000000000}"/>
+          </ac:spMkLst>
+        </pc:spChg>
+      </pc:sldChg>
+      <pc:sldChg chg="addSp delSp modSp mod addCm delCm">
+        <pc:chgData name="나 현희" userId="a7b73e83492eed8a" providerId="LiveId" clId="{64AD838D-9C5E-4924-A2B9-9E61F63567BB}" dt="2023-05-12T02:00:14.353" v="31" actId="1076"/>
+        <pc:sldMkLst>
+          <pc:docMk/>
+          <pc:sldMk cId="3439183929" sldId="274"/>
+        </pc:sldMkLst>
+        <pc:spChg chg="mod">
+          <ac:chgData name="나 현희" userId="a7b73e83492eed8a" providerId="LiveId" clId="{64AD838D-9C5E-4924-A2B9-9E61F63567BB}" dt="2023-05-12T01:59:24.372" v="25" actId="20577"/>
+          <ac:spMkLst>
+            <pc:docMk/>
+            <pc:sldMk cId="3439183929" sldId="274"/>
+            <ac:spMk id="2" creationId="{00000000-0000-0000-0000-000000000000}"/>
+          </ac:spMkLst>
+        </pc:spChg>
+        <pc:spChg chg="del mod">
+          <ac:chgData name="나 현희" userId="a7b73e83492eed8a" providerId="LiveId" clId="{64AD838D-9C5E-4924-A2B9-9E61F63567BB}" dt="2023-05-12T01:59:49.064" v="27" actId="21"/>
+          <ac:spMkLst>
+            <pc:docMk/>
+            <pc:sldMk cId="3439183929" sldId="274"/>
+            <ac:spMk id="3" creationId="{00000000-0000-0000-0000-000000000000}"/>
+          </ac:spMkLst>
+        </pc:spChg>
+        <pc:graphicFrameChg chg="add mod">
+          <ac:chgData name="나 현희" userId="a7b73e83492eed8a" providerId="LiveId" clId="{64AD838D-9C5E-4924-A2B9-9E61F63567BB}" dt="2023-05-12T02:00:14.353" v="31" actId="1076"/>
+          <ac:graphicFrameMkLst>
+            <pc:docMk/>
+            <pc:sldMk cId="3439183929" sldId="274"/>
+            <ac:graphicFrameMk id="4" creationId="{B867C856-EA33-3271-E886-DBB6E3B0CEAD}"/>
+          </ac:graphicFrameMkLst>
+        </pc:graphicFrameChg>
+      </pc:sldChg>
+      <pc:sldChg chg="modSp mod">
+        <pc:chgData name="나 현희" userId="a7b73e83492eed8a" providerId="LiveId" clId="{64AD838D-9C5E-4924-A2B9-9E61F63567BB}" dt="2023-05-12T02:03:18.382" v="35" actId="2711"/>
+        <pc:sldMkLst>
+          <pc:docMk/>
+          <pc:sldMk cId="893322849" sldId="301"/>
+        </pc:sldMkLst>
+        <pc:spChg chg="mod">
+          <ac:chgData name="나 현희" userId="a7b73e83492eed8a" providerId="LiveId" clId="{64AD838D-9C5E-4924-A2B9-9E61F63567BB}" dt="2023-05-12T02:03:18.382" v="35" actId="2711"/>
+          <ac:spMkLst>
+            <pc:docMk/>
+            <pc:sldMk cId="893322849" sldId="301"/>
+            <ac:spMk id="3" creationId="{00000000-0000-0000-0000-000000000000}"/>
+          </ac:spMkLst>
+        </pc:spChg>
+      </pc:sldChg>
+    </pc:docChg>
+  </pc:docChgLst>
 </pc:chgInfo>
-</file>
-
-<file path=ppt/comments/comment1.xml><?xml version="1.0" encoding="utf-8"?>
-<p:cmLst xmlns:a="http://schemas.openxmlformats.org/drawingml/2006/main" xmlns:r="http://schemas.openxmlformats.org/officeDocument/2006/relationships" xmlns:p="http://schemas.openxmlformats.org/presentationml/2006/main">
-  <p:cm authorId="1" dt="2023-05-11T23:27:07.991" idx="1">
-    <p:pos x="10" y="10"/>
-    <p:text/>
-    <p:extLst>
-      <p:ext uri="{C676402C-5697-4E1C-873F-D02D1690AC5C}">
-        <p15:threadingInfo xmlns:p15="http://schemas.microsoft.com/office/powerpoint/2012/main" timeZoneBias="-540"/>
-      </p:ext>
-    </p:extLst>
-  </p:cm>
-</p:cmLst>
 </file>
 
 <file path=ppt/notesMasters/notesMaster1.xml><?xml version="1.0" encoding="utf-8"?>
@@ -472,7 +458,7 @@
           <a:p>
             <a:fld id="{50138154-59DF-461E-B1C9-8D189C980A7E}" type="datetimeFigureOut">
               <a:rPr lang="ko-KR" altLang="en-US" smtClean="0"/>
-              <a:t>2023-05-12</a:t>
+              <a:t>2023-05-14</a:t>
             </a:fld>
             <a:endParaRPr lang="ko-KR" altLang="en-US" dirty="0"/>
           </a:p>
@@ -807,7 +793,7 @@
             </a:r>
             <a:r>
               <a:rPr lang="ko-KR" altLang="en-US" dirty="0"/>
-              <a:t>화자 별 발화 내용을 반영하지 않음</a:t>
+              <a:t>발화 내용을 화자별로 구분하여 요약에 반영하지 않습니다</a:t>
             </a:r>
             <a:r>
               <a:rPr lang="en-US" altLang="ko-KR" dirty="0"/>
@@ -815,9 +801,12 @@
             </a:r>
             <a:r>
               <a:rPr lang="ko-KR" altLang="en-US" dirty="0"/>
-              <a:t>이는 화자가 여러 명인 경우 음성의 정확한 내용을 요약문에 반영하지 못함</a:t>
-            </a:r>
-            <a:endParaRPr lang="en-US" altLang="ko-KR" dirty="0"/>
+              <a:t>이는 화자가 여러 명인 경우 음성의 정확한 내용을 요약문에 반영하지 못합니다</a:t>
+            </a:r>
+            <a:r>
+              <a:rPr lang="en-US" altLang="ko-KR" dirty="0"/>
+              <a:t>. </a:t>
+            </a:r>
           </a:p>
         </p:txBody>
       </p:sp>
@@ -1765,7 +1754,7 @@
             </a:r>
             <a:r>
               <a:rPr lang="ko-KR" altLang="en-US" dirty="0"/>
-              <a:t>기본 음성 요약 시스템에 화자 분리를 적용하여 요약의 성능을 개선하고</a:t>
+              <a:t>기본 음성 요약 시스템에 화자 분리를 적용하여 발화 내용을 화자별로 구분하여 요약의 성능을 개선하고</a:t>
             </a:r>
             <a:r>
               <a:rPr lang="en-US" altLang="ko-KR" dirty="0"/>
@@ -9711,7 +9700,7 @@
             <a:pPr lvl="1"/>
             <a:r>
               <a:rPr lang="ko-KR" altLang="en-US" dirty="0"/>
-              <a:t>화자 별 발화 내용을 반영하지 않음</a:t>
+              <a:t>발화 내용을 화자 별로 구분하여 요약에 반환하지 않음</a:t>
             </a:r>
             <a:endParaRPr lang="en-US" altLang="ko-KR" dirty="0"/>
           </a:p>

--- a/ppt/0515_2조_중간발표.pptx
+++ b/ppt/0515_2조_중간발표.pptx
@@ -458,7 +458,7 @@
           <a:p>
             <a:fld id="{50138154-59DF-461E-B1C9-8D189C980A7E}" type="datetimeFigureOut">
               <a:rPr lang="ko-KR" altLang="en-US" smtClean="0"/>
-              <a:t>2023-05-14</a:t>
+              <a:t>2023-05-21</a:t>
             </a:fld>
             <a:endParaRPr lang="ko-KR" altLang="en-US" dirty="0"/>
           </a:p>
